--- a/5_félév/gépi_tanulás/Lecture 3 -- Key problems of AI and HI -- INTRO-to-ML.pptx
+++ b/5_félév/gépi_tanulás/Lecture 3 -- Key problems of AI and HI -- INTRO-to-ML.pptx
@@ -3740,7 +3740,7 @@
           <a:p>
             <a:fld id="{5FED8D6F-A0C0-46C0-A295-D3723D5EA4AB}" type="datetimeFigureOut">
               <a:rPr lang="en-GB" smtClean="0"/>
-              <a:t>05/09/2020</a:t>
+              <a:t>16/12/2020</a:t>
             </a:fld>
             <a:endParaRPr lang="en-GB"/>
           </a:p>
@@ -3905,7 +3905,7 @@
           <a:p>
             <a:fld id="{602B6E7B-3576-4970-B1A2-88C1ABE177BE}" type="datetimeFigureOut">
               <a:rPr lang="en-GB" smtClean="0"/>
-              <a:t>05/09/2020</a:t>
+              <a:t>16/12/2020</a:t>
             </a:fld>
             <a:endParaRPr lang="en-GB"/>
           </a:p>
@@ -5716,7 +5716,7 @@
               <a:pPr>
                 <a:defRPr/>
               </a:pPr>
-              <a:t>9/5/2020</a:t>
+              <a:t>12/16/2020</a:t>
             </a:fld>
             <a:endParaRPr lang="en-US"/>
           </a:p>
@@ -6198,7 +6198,7 @@
           <a:p>
             <a:fld id="{3BFB6B89-2F79-4BA7-A23A-F0B188F0D5B2}" type="datetimeFigureOut">
               <a:rPr lang="hu-HU" smtClean="0"/>
-              <a:t>2020. 09. 05.</a:t>
+              <a:t>2020. 12. 16.</a:t>
             </a:fld>
             <a:endParaRPr lang="hu-HU"/>
           </a:p>
@@ -23200,58 +23200,6 @@
           </a:p>
           <a:p>
             <a:endParaRPr lang="en-US" dirty="0"/>
-          </a:p>
-        </p:txBody>
-      </p:sp>
-      <p:sp>
-        <p:nvSpPr>
-          <p:cNvPr id="2" name="Rectangle 1">
-            <a:extLst>
-              <a:ext uri="{FF2B5EF4-FFF2-40B4-BE49-F238E27FC236}">
-                <a16:creationId xmlns:a16="http://schemas.microsoft.com/office/drawing/2014/main" id="{7F915F94-E769-40E4-A78B-0A026063B261}"/>
-              </a:ext>
-            </a:extLst>
-          </p:cNvPr>
-          <p:cNvSpPr/>
-          <p:nvPr/>
-        </p:nvSpPr>
-        <p:spPr>
-          <a:xfrm>
-            <a:off x="-13265" y="2534010"/>
-            <a:ext cx="9144000" cy="4032448"/>
-          </a:xfrm>
-          <a:prstGeom prst="rect">
-            <a:avLst/>
-          </a:prstGeom>
-          <a:solidFill>
-            <a:schemeClr val="bg1"/>
-          </a:solidFill>
-          <a:ln>
-            <a:noFill/>
-          </a:ln>
-        </p:spPr>
-        <p:style>
-          <a:lnRef idx="2">
-            <a:schemeClr val="accent1">
-              <a:shade val="50000"/>
-            </a:schemeClr>
-          </a:lnRef>
-          <a:fillRef idx="1">
-            <a:schemeClr val="accent1"/>
-          </a:fillRef>
-          <a:effectRef idx="0">
-            <a:schemeClr val="accent1"/>
-          </a:effectRef>
-          <a:fontRef idx="minor">
-            <a:schemeClr val="lt1"/>
-          </a:fontRef>
-        </p:style>
-        <p:txBody>
-          <a:bodyPr rtlCol="0" anchor="ctr"/>
-          <a:lstStyle/>
-          <a:p>
-            <a:pPr algn="ctr"/>
-            <a:endParaRPr lang="hu-HU"/>
           </a:p>
         </p:txBody>
       </p:sp>
@@ -27210,8 +27158,8 @@
           </a:p>
         </p:txBody>
       </p:sp>
-      <mc:AlternateContent xmlns:mc="http://schemas.openxmlformats.org/markup-compatibility/2006">
-        <mc:Choice xmlns:a14="http://schemas.microsoft.com/office/drawing/2010/main" Requires="a14">
+      <mc:AlternateContent xmlns:mc="http://schemas.openxmlformats.org/markup-compatibility/2006" xmlns:a14="http://schemas.microsoft.com/office/drawing/2010/main">
+        <mc:Choice Requires="a14">
           <p:sp>
             <p:nvSpPr>
               <p:cNvPr id="6" name="Text Placeholder 5">
@@ -27647,7 +27595,7 @@
             </p:txBody>
           </p:sp>
         </mc:Choice>
-        <mc:Fallback>
+        <mc:Fallback xmlns="">
           <p:sp>
             <p:nvSpPr>
               <p:cNvPr id="6" name="Text Placeholder 5">
